--- a/Presentations/Sprint 1 Review.pptx
+++ b/Presentations/Sprint 1 Review.pptx
@@ -109,6 +109,11 @@
       </a:defRPr>
     </a:lvl9pPr>
   </p:defaultTextStyle>
+  <p:extLst>
+    <p:ext uri="{EFAFB233-063F-42B5-8137-9DF3F51BA10A}">
+      <p15:sldGuideLst xmlns:p15="http://schemas.microsoft.com/office/powerpoint/2012/main"/>
+    </p:ext>
+  </p:extLst>
 </p:presentation>
 </file>
 
@@ -4046,7 +4051,17 @@
           <a:p>
             <a:r>
               <a:rPr lang="en-US" dirty="0" smtClean="0"/>
-              <a:t>Code reviews over research/practice</a:t>
+              <a:t>Code reviews over </a:t>
+            </a:r>
+            <a:r>
+              <a:rPr lang="en-US" dirty="0" smtClean="0"/>
+              <a:t>research/practice</a:t>
+            </a:r>
+          </a:p>
+          <a:p>
+            <a:r>
+              <a:rPr lang="en-US" smtClean="0"/>
+              <a:t>Individual improvements?</a:t>
             </a:r>
             <a:endParaRPr lang="en-US" dirty="0"/>
           </a:p>

--- a/Presentations/Sprint 1 Review.pptx
+++ b/Presentations/Sprint 1 Review.pptx
@@ -3969,8 +3969,20 @@
           <a:p>
             <a:r>
               <a:rPr lang="en-US" dirty="0" smtClean="0"/>
-              <a:t>Inefficient - some work ended up wasted (code we could not use)</a:t>
-            </a:r>
+              <a:t>Inefficient - some work ended up wasted (code we could not use</a:t>
+            </a:r>
+            <a:r>
+              <a:rPr lang="en-US" dirty="0" smtClean="0"/>
+              <a:t>)</a:t>
+            </a:r>
+          </a:p>
+          <a:p>
+            <a:r>
+              <a:rPr lang="en-US"/>
+              <a:t>Individual improvements?</a:t>
+            </a:r>
+          </a:p>
+          <a:p>
             <a:endParaRPr lang="en-US" dirty="0"/>
           </a:p>
         </p:txBody>
@@ -4057,13 +4069,6 @@
               <a:rPr lang="en-US" dirty="0" smtClean="0"/>
               <a:t>research/practice</a:t>
             </a:r>
-          </a:p>
-          <a:p>
-            <a:r>
-              <a:rPr lang="en-US" smtClean="0"/>
-              <a:t>Individual improvements?</a:t>
-            </a:r>
-            <a:endParaRPr lang="en-US" dirty="0"/>
           </a:p>
         </p:txBody>
       </p:sp>

--- a/Presentations/Sprint 1 Review.pptx
+++ b/Presentations/Sprint 1 Review.pptx
@@ -3630,6 +3630,13 @@
   <p:clrMapOvr>
     <a:masterClrMapping/>
   </p:clrMapOvr>
+  <p:timing>
+    <p:tnLst>
+      <p:par>
+        <p:cTn id="1" dur="indefinite" restart="never" nodeType="tmRoot"/>
+      </p:par>
+    </p:tnLst>
+  </p:timing>
 </p:sld>
 </file>
 
@@ -3715,6 +3722,13 @@
   <p:clrMapOvr>
     <a:masterClrMapping/>
   </p:clrMapOvr>
+  <p:timing>
+    <p:tnLst>
+      <p:par>
+        <p:cTn id="1" dur="indefinite" restart="never" nodeType="tmRoot"/>
+      </p:par>
+    </p:tnLst>
+  </p:timing>
 </p:sld>
 </file>
 
@@ -3801,6 +3815,13 @@
   <p:clrMapOvr>
     <a:masterClrMapping/>
   </p:clrMapOvr>
+  <p:timing>
+    <p:tnLst>
+      <p:par>
+        <p:cTn id="1" dur="indefinite" restart="never" nodeType="tmRoot"/>
+      </p:par>
+    </p:tnLst>
+  </p:timing>
 </p:sld>
 </file>
 
@@ -3903,6 +3924,13 @@
   <p:clrMapOvr>
     <a:masterClrMapping/>
   </p:clrMapOvr>
+  <p:timing>
+    <p:tnLst>
+      <p:par>
+        <p:cTn id="1" dur="indefinite" restart="never" nodeType="tmRoot"/>
+      </p:par>
+    </p:tnLst>
+  </p:timing>
 </p:sld>
 </file>
 
@@ -3978,7 +4006,7 @@
           </a:p>
           <a:p>
             <a:r>
-              <a:rPr lang="en-US"/>
+              <a:rPr lang="en-US" dirty="0"/>
               <a:t>Individual improvements?</a:t>
             </a:r>
           </a:p>
@@ -3997,6 +4025,13 @@
   <p:clrMapOvr>
     <a:masterClrMapping/>
   </p:clrMapOvr>
+  <p:timing>
+    <p:tnLst>
+      <p:par>
+        <p:cTn id="1" dur="indefinite" restart="never" nodeType="tmRoot"/>
+      </p:par>
+    </p:tnLst>
+  </p:timing>
 </p:sld>
 </file>
 
@@ -4082,6 +4117,13 @@
   <p:clrMapOvr>
     <a:masterClrMapping/>
   </p:clrMapOvr>
+  <p:timing>
+    <p:tnLst>
+      <p:par>
+        <p:cTn id="1" dur="indefinite" restart="never" nodeType="tmRoot"/>
+      </p:par>
+    </p:tnLst>
+  </p:timing>
 </p:sld>
 </file>
 
